--- a/uminho19-Flask - Heroku.pptx
+++ b/uminho19-Flask - Heroku.pptx
@@ -207,7 +207,7 @@
             <a:fld id="{EEBDBC90-9322-4200-9D55-97ED91B5B4B4}" type="datetimeFigureOut">
               <a:rPr lang="zh-TW" altLang="en-US" smtClean="0"/>
               <a:pPr/>
-              <a:t>2019/4/9</a:t>
+              <a:t>2019/4/10</a:t>
             </a:fld>
             <a:endParaRPr lang="zh-TW" altLang="en-US"/>
           </a:p>
@@ -376,7 +376,7 @@
     </p:spTree>
     <p:extLst>
       <p:ext uri="{BB962C8B-B14F-4D97-AF65-F5344CB8AC3E}">
-        <p14:creationId xmlns:p14="http://schemas.microsoft.com/office/powerpoint/2010/main" xmlns="" val="2446734542"/>
+        <p14:creationId xmlns="" xmlns:p14="http://schemas.microsoft.com/office/powerpoint/2010/main" val="2446734542"/>
       </p:ext>
     </p:extLst>
   </p:cSld>
@@ -564,7 +564,7 @@
     </p:spTree>
     <p:extLst>
       <p:ext uri="{BB962C8B-B14F-4D97-AF65-F5344CB8AC3E}">
-        <p14:creationId xmlns:p14="http://schemas.microsoft.com/office/powerpoint/2010/main" xmlns="" val="811407074"/>
+        <p14:creationId xmlns="" xmlns:p14="http://schemas.microsoft.com/office/powerpoint/2010/main" val="811407074"/>
       </p:ext>
     </p:extLst>
   </p:cSld>
@@ -866,7 +866,7 @@
             <a:fld id="{766CA2E2-0D20-4391-8F3E-CAAFE6E7FA52}" type="datetimeFigureOut">
               <a:rPr lang="zh-TW" altLang="en-US" smtClean="0"/>
               <a:pPr/>
-              <a:t>2019/4/9</a:t>
+              <a:t>2019/4/10</a:t>
             </a:fld>
             <a:endParaRPr lang="zh-TW" altLang="en-US"/>
           </a:p>
@@ -1059,7 +1059,7 @@
             <a:fld id="{766CA2E2-0D20-4391-8F3E-CAAFE6E7FA52}" type="datetimeFigureOut">
               <a:rPr lang="zh-TW" altLang="en-US" smtClean="0"/>
               <a:pPr/>
-              <a:t>2019/4/9</a:t>
+              <a:t>2019/4/10</a:t>
             </a:fld>
             <a:endParaRPr lang="zh-TW" altLang="en-US"/>
           </a:p>
@@ -1246,7 +1246,7 @@
             <a:fld id="{766CA2E2-0D20-4391-8F3E-CAAFE6E7FA52}" type="datetimeFigureOut">
               <a:rPr lang="zh-TW" altLang="en-US" smtClean="0"/>
               <a:pPr/>
-              <a:t>2019/4/9</a:t>
+              <a:t>2019/4/10</a:t>
             </a:fld>
             <a:endParaRPr lang="zh-TW" altLang="en-US"/>
           </a:p>
@@ -1540,7 +1540,7 @@
             <a:fld id="{766CA2E2-0D20-4391-8F3E-CAAFE6E7FA52}" type="datetimeFigureOut">
               <a:rPr lang="zh-TW" altLang="en-US" smtClean="0"/>
               <a:pPr/>
-              <a:t>2019/4/9</a:t>
+              <a:t>2019/4/10</a:t>
             </a:fld>
             <a:endParaRPr lang="zh-TW" altLang="en-US"/>
           </a:p>
@@ -1683,7 +1683,7 @@
             <a:fld id="{766CA2E2-0D20-4391-8F3E-CAAFE6E7FA52}" type="datetimeFigureOut">
               <a:rPr lang="zh-TW" altLang="en-US" smtClean="0"/>
               <a:pPr/>
-              <a:t>2019/4/9</a:t>
+              <a:t>2019/4/10</a:t>
             </a:fld>
             <a:endParaRPr lang="zh-TW" altLang="en-US"/>
           </a:p>
@@ -2101,7 +2101,7 @@
             <a:fld id="{766CA2E2-0D20-4391-8F3E-CAAFE6E7FA52}" type="datetimeFigureOut">
               <a:rPr lang="zh-TW" altLang="en-US" smtClean="0"/>
               <a:pPr/>
-              <a:t>2019/4/9</a:t>
+              <a:t>2019/4/10</a:t>
             </a:fld>
             <a:endParaRPr lang="zh-TW" altLang="en-US"/>
           </a:p>
@@ -2345,7 +2345,7 @@
             <a:fld id="{766CA2E2-0D20-4391-8F3E-CAAFE6E7FA52}" type="datetimeFigureOut">
               <a:rPr lang="zh-TW" altLang="en-US" smtClean="0"/>
               <a:pPr/>
-              <a:t>2019/4/9</a:t>
+              <a:t>2019/4/10</a:t>
             </a:fld>
             <a:endParaRPr lang="zh-TW" altLang="en-US"/>
           </a:p>
@@ -2583,7 +2583,7 @@
             <a:fld id="{766CA2E2-0D20-4391-8F3E-CAAFE6E7FA52}" type="datetimeFigureOut">
               <a:rPr lang="zh-TW" altLang="en-US" smtClean="0"/>
               <a:pPr/>
-              <a:t>2019/4/9</a:t>
+              <a:t>2019/4/10</a:t>
             </a:fld>
             <a:endParaRPr lang="zh-TW" altLang="en-US"/>
           </a:p>
@@ -2780,7 +2780,7 @@
             <a:fld id="{766CA2E2-0D20-4391-8F3E-CAAFE6E7FA52}" type="datetimeFigureOut">
               <a:rPr lang="zh-TW" altLang="en-US" smtClean="0"/>
               <a:pPr/>
-              <a:t>2019/4/9</a:t>
+              <a:t>2019/4/10</a:t>
             </a:fld>
             <a:endParaRPr lang="zh-TW" altLang="en-US"/>
           </a:p>
@@ -2880,7 +2880,7 @@
             <a:fld id="{766CA2E2-0D20-4391-8F3E-CAAFE6E7FA52}" type="datetimeFigureOut">
               <a:rPr lang="zh-TW" altLang="en-US" smtClean="0"/>
               <a:pPr/>
-              <a:t>2019/4/9</a:t>
+              <a:t>2019/4/10</a:t>
             </a:fld>
             <a:endParaRPr lang="zh-TW" altLang="en-US"/>
           </a:p>
@@ -3018,7 +3018,7 @@
             <a:fld id="{766CA2E2-0D20-4391-8F3E-CAAFE6E7FA52}" type="datetimeFigureOut">
               <a:rPr lang="zh-TW" altLang="en-US" smtClean="0"/>
               <a:pPr/>
-              <a:t>2019/4/9</a:t>
+              <a:t>2019/4/10</a:t>
             </a:fld>
             <a:endParaRPr lang="zh-TW" altLang="en-US"/>
           </a:p>
@@ -3538,7 +3538,7 @@
             <a:fld id="{766CA2E2-0D20-4391-8F3E-CAAFE6E7FA52}" type="datetimeFigureOut">
               <a:rPr lang="zh-TW" altLang="en-US" smtClean="0"/>
               <a:pPr/>
-              <a:t>2019/4/9</a:t>
+              <a:t>2019/4/10</a:t>
             </a:fld>
             <a:endParaRPr lang="zh-TW" altLang="en-US"/>
           </a:p>
@@ -3801,7 +3801,7 @@
             <a:fld id="{766CA2E2-0D20-4391-8F3E-CAAFE6E7FA52}" type="datetimeFigureOut">
               <a:rPr lang="zh-TW" altLang="en-US" smtClean="0"/>
               <a:pPr/>
-              <a:t>2019/4/9</a:t>
+              <a:t>2019/4/10</a:t>
             </a:fld>
             <a:endParaRPr lang="zh-TW" altLang="en-US"/>
           </a:p>
@@ -4437,7 +4437,7 @@
         </p:nvSpPr>
         <p:spPr>
           <a:xfrm>
-            <a:off x="1403648" y="4077072"/>
+            <a:off x="2123728" y="3284984"/>
             <a:ext cx="6840760" cy="2520280"/>
           </a:xfrm>
         </p:spPr>
@@ -4505,7 +4505,7 @@
     </p:spTree>
     <p:extLst>
       <p:ext uri="{BB962C8B-B14F-4D97-AF65-F5344CB8AC3E}">
-        <p14:creationId xmlns:p14="http://schemas.microsoft.com/office/powerpoint/2010/main" xmlns="" val="3824887273"/>
+        <p14:creationId xmlns="" xmlns:p14="http://schemas.microsoft.com/office/powerpoint/2010/main" val="3824887273"/>
       </p:ext>
     </p:extLst>
   </p:cSld>
@@ -5343,7 +5343,7 @@
         </p:nvSpPr>
         <p:spPr>
           <a:xfrm>
-            <a:off x="2195736" y="5517232"/>
+            <a:off x="755576" y="5085184"/>
             <a:ext cx="5118389" cy="523220"/>
           </a:xfrm>
           <a:prstGeom prst="rect">
@@ -5410,7 +5410,7 @@
         </p:nvSpPr>
         <p:spPr>
           <a:xfrm>
-            <a:off x="3131840" y="2276872"/>
+            <a:off x="0" y="2564904"/>
             <a:ext cx="720080" cy="369332"/>
           </a:xfrm>
           <a:prstGeom prst="rect">
@@ -5448,7 +5448,7 @@
         </p:nvSpPr>
         <p:spPr>
           <a:xfrm>
-            <a:off x="3131840" y="5013176"/>
+            <a:off x="0" y="4653136"/>
             <a:ext cx="1080120" cy="369332"/>
           </a:xfrm>
           <a:prstGeom prst="rect">
@@ -5520,6 +5520,38 @@
               <a:t> studio code</a:t>
             </a:r>
             <a:endParaRPr lang="fr-FR" b="1" dirty="0"/>
+          </a:p>
+        </p:txBody>
+      </p:sp>
+      <p:sp>
+        <p:nvSpPr>
+          <p:cNvPr id="10" name="Rectangle 9"/>
+          <p:cNvSpPr/>
+          <p:nvPr/>
+        </p:nvSpPr>
+        <p:spPr>
+          <a:xfrm>
+            <a:off x="179512" y="1556792"/>
+            <a:ext cx="8964488" cy="523220"/>
+          </a:xfrm>
+          <a:prstGeom prst="rect">
+            <a:avLst/>
+          </a:prstGeom>
+        </p:spPr>
+        <p:txBody>
+          <a:bodyPr wrap="square">
+            <a:spAutoFit/>
+          </a:bodyPr>
+          <a:lstStyle/>
+          <a:p>
+            <a:pPr algn="ctr"/>
+            <a:r>
+              <a:rPr lang="fr-FR" sz="2800" b="1" u="sng" dirty="0" smtClean="0">
+                <a:hlinkClick r:id="rId3"/>
+              </a:rPr>
+              <a:t>https://github.com/ouzarf/</a:t>
+            </a:r>
+            <a:endParaRPr lang="fr-FR" sz="2800" b="1" u="sng" dirty="0"/>
           </a:p>
         </p:txBody>
       </p:sp>
@@ -5750,7 +5782,7 @@
     </p:spTree>
     <p:extLst>
       <p:ext uri="{BB962C8B-B14F-4D97-AF65-F5344CB8AC3E}">
-        <p14:creationId xmlns:p14="http://schemas.microsoft.com/office/powerpoint/2010/main" xmlns="" val="2678335784"/>
+        <p14:creationId xmlns="" xmlns:p14="http://schemas.microsoft.com/office/powerpoint/2010/main" val="2678335784"/>
       </p:ext>
     </p:extLst>
   </p:cSld>
@@ -5921,7 +5953,7 @@
     <a:masterClrMapping/>
   </p:clrMapOvr>
   <mc:AlternateContent xmlns:mc="http://schemas.openxmlformats.org/markup-compatibility/2006">
-    <mc:Choice xmlns:p14="http://schemas.microsoft.com/office/powerpoint/2010/main" xmlns="" Requires="p14">
+    <mc:Choice xmlns="" xmlns:p14="http://schemas.microsoft.com/office/powerpoint/2010/main" Requires="p14">
       <p:transition spd="slow" p14:dur="900">
         <p14:warp dir="in"/>
       </p:transition>
@@ -6170,7 +6202,7 @@
     </p:spTree>
     <p:extLst>
       <p:ext uri="{BB962C8B-B14F-4D97-AF65-F5344CB8AC3E}">
-        <p14:creationId xmlns:p14="http://schemas.microsoft.com/office/powerpoint/2010/main" xmlns="" val="1872605740"/>
+        <p14:creationId xmlns="" xmlns:p14="http://schemas.microsoft.com/office/powerpoint/2010/main" val="1872605740"/>
       </p:ext>
     </p:extLst>
   </p:cSld>
@@ -6472,7 +6504,7 @@
     </p:spTree>
     <p:extLst>
       <p:ext uri="{BB962C8B-B14F-4D97-AF65-F5344CB8AC3E}">
-        <p14:creationId xmlns:p14="http://schemas.microsoft.com/office/powerpoint/2010/main" xmlns="" val="1872605740"/>
+        <p14:creationId xmlns="" xmlns:p14="http://schemas.microsoft.com/office/powerpoint/2010/main" val="1872605740"/>
       </p:ext>
     </p:extLst>
   </p:cSld>
@@ -6573,7 +6605,7 @@
     </p:spTree>
     <p:extLst>
       <p:ext uri="{BB962C8B-B14F-4D97-AF65-F5344CB8AC3E}">
-        <p14:creationId xmlns:p14="http://schemas.microsoft.com/office/powerpoint/2010/main" xmlns="" val="2615854889"/>
+        <p14:creationId xmlns="" xmlns:p14="http://schemas.microsoft.com/office/powerpoint/2010/main" val="2615854889"/>
       </p:ext>
     </p:extLst>
   </p:cSld>
@@ -6895,7 +6927,7 @@
     </p:spTree>
     <p:extLst>
       <p:ext uri="{BB962C8B-B14F-4D97-AF65-F5344CB8AC3E}">
-        <p14:creationId xmlns:p14="http://schemas.microsoft.com/office/powerpoint/2010/main" xmlns="" val="308806293"/>
+        <p14:creationId xmlns="" xmlns:p14="http://schemas.microsoft.com/office/powerpoint/2010/main" val="308806293"/>
       </p:ext>
     </p:extLst>
   </p:cSld>
